--- a/Project/빈곤층해결책/빈곤층을위한정책방향.pptx
+++ b/Project/빈곤층해결책/빈곤층을위한정책방향.pptx
@@ -2006,8 +2006,8 @@
   <dgm:cxnLst>
     <dgm:cxn modelId="{C3C241F6-B1F2-4379-9D13-F5FD59F1C258}" type="presOf" srcId="{7F50E15E-8217-44D0-80B0-8C24A36904A8}" destId="{E8285D05-6E32-411B-AB4B-226B6A8DD8F1}" srcOrd="0" destOrd="0" presId="urn:microsoft.com/office/officeart/2005/8/layout/chevron1"/>
     <dgm:cxn modelId="{68ECD1AE-A545-4A45-812E-DB98F6E86575}" srcId="{162481B3-B9FF-4DC1-A1B9-14F65C0023DA}" destId="{7F50E15E-8217-44D0-80B0-8C24A36904A8}" srcOrd="0" destOrd="0" parTransId="{4A7FF8BA-2376-487E-BE05-3D8563E34747}" sibTransId="{896D4E79-ADAA-43E6-A113-F0D0C82A8649}"/>
+    <dgm:cxn modelId="{A2F9FFE4-511C-4118-B4BC-A0C8CA0704B8}" type="presOf" srcId="{5B7863AC-A63E-4E90-A369-3F0FE5B015C1}" destId="{816988AA-941A-4B07-8A26-2ABD6A340D34}" srcOrd="0" destOrd="0" presId="urn:microsoft.com/office/officeart/2005/8/layout/chevron1"/>
     <dgm:cxn modelId="{0BB3F155-5FEA-431D-ADCD-58E96D8D6CCE}" type="presOf" srcId="{162481B3-B9FF-4DC1-A1B9-14F65C0023DA}" destId="{9E3FDC6F-D112-41D9-8EE4-A6CC2BCC836D}" srcOrd="0" destOrd="0" presId="urn:microsoft.com/office/officeart/2005/8/layout/chevron1"/>
-    <dgm:cxn modelId="{A2F9FFE4-511C-4118-B4BC-A0C8CA0704B8}" type="presOf" srcId="{5B7863AC-A63E-4E90-A369-3F0FE5B015C1}" destId="{816988AA-941A-4B07-8A26-2ABD6A340D34}" srcOrd="0" destOrd="0" presId="urn:microsoft.com/office/officeart/2005/8/layout/chevron1"/>
     <dgm:cxn modelId="{4DA8555D-C803-4007-A0B3-EE4CDFB048DB}" type="presOf" srcId="{961EAED3-6069-4AB2-AA5D-AC08E421E1F3}" destId="{E7444B58-9201-46AB-A29F-4E55A15CD11F}" srcOrd="0" destOrd="0" presId="urn:microsoft.com/office/officeart/2005/8/layout/chevron1"/>
     <dgm:cxn modelId="{4E3D44E6-9850-40D3-8261-346DA9E1C70C}" srcId="{162481B3-B9FF-4DC1-A1B9-14F65C0023DA}" destId="{5B7863AC-A63E-4E90-A369-3F0FE5B015C1}" srcOrd="1" destOrd="0" parTransId="{B90955D7-4A18-4D7F-AEBB-7E4AF825C02D}" sibTransId="{990AB54C-1782-4BDC-9A86-2826A4305FD9}"/>
     <dgm:cxn modelId="{FF932617-44FF-4D27-A90C-F7C81EFBA462}" srcId="{162481B3-B9FF-4DC1-A1B9-14F65C0023DA}" destId="{961EAED3-6069-4AB2-AA5D-AC08E421E1F3}" srcOrd="2" destOrd="0" parTransId="{43684382-78E2-48ED-86A6-4A98BDEDBB22}" sibTransId="{80F335CA-628A-4DAA-B885-8EFD4FCA427D}"/>
@@ -2403,8 +2403,8 @@
   <dgm:cxnLst>
     <dgm:cxn modelId="{C3C241F6-B1F2-4379-9D13-F5FD59F1C258}" type="presOf" srcId="{7F50E15E-8217-44D0-80B0-8C24A36904A8}" destId="{E8285D05-6E32-411B-AB4B-226B6A8DD8F1}" srcOrd="0" destOrd="0" presId="urn:microsoft.com/office/officeart/2005/8/layout/chevron1"/>
     <dgm:cxn modelId="{68ECD1AE-A545-4A45-812E-DB98F6E86575}" srcId="{162481B3-B9FF-4DC1-A1B9-14F65C0023DA}" destId="{7F50E15E-8217-44D0-80B0-8C24A36904A8}" srcOrd="0" destOrd="0" parTransId="{4A7FF8BA-2376-487E-BE05-3D8563E34747}" sibTransId="{896D4E79-ADAA-43E6-A113-F0D0C82A8649}"/>
+    <dgm:cxn modelId="{A2F9FFE4-511C-4118-B4BC-A0C8CA0704B8}" type="presOf" srcId="{5B7863AC-A63E-4E90-A369-3F0FE5B015C1}" destId="{816988AA-941A-4B07-8A26-2ABD6A340D34}" srcOrd="0" destOrd="0" presId="urn:microsoft.com/office/officeart/2005/8/layout/chevron1"/>
     <dgm:cxn modelId="{0BB3F155-5FEA-431D-ADCD-58E96D8D6CCE}" type="presOf" srcId="{162481B3-B9FF-4DC1-A1B9-14F65C0023DA}" destId="{9E3FDC6F-D112-41D9-8EE4-A6CC2BCC836D}" srcOrd="0" destOrd="0" presId="urn:microsoft.com/office/officeart/2005/8/layout/chevron1"/>
-    <dgm:cxn modelId="{A2F9FFE4-511C-4118-B4BC-A0C8CA0704B8}" type="presOf" srcId="{5B7863AC-A63E-4E90-A369-3F0FE5B015C1}" destId="{816988AA-941A-4B07-8A26-2ABD6A340D34}" srcOrd="0" destOrd="0" presId="urn:microsoft.com/office/officeart/2005/8/layout/chevron1"/>
     <dgm:cxn modelId="{4DA8555D-C803-4007-A0B3-EE4CDFB048DB}" type="presOf" srcId="{961EAED3-6069-4AB2-AA5D-AC08E421E1F3}" destId="{E7444B58-9201-46AB-A29F-4E55A15CD11F}" srcOrd="0" destOrd="0" presId="urn:microsoft.com/office/officeart/2005/8/layout/chevron1"/>
     <dgm:cxn modelId="{4E3D44E6-9850-40D3-8261-346DA9E1C70C}" srcId="{162481B3-B9FF-4DC1-A1B9-14F65C0023DA}" destId="{5B7863AC-A63E-4E90-A369-3F0FE5B015C1}" srcOrd="1" destOrd="0" parTransId="{B90955D7-4A18-4D7F-AEBB-7E4AF825C02D}" sibTransId="{990AB54C-1782-4BDC-9A86-2826A4305FD9}"/>
     <dgm:cxn modelId="{FF932617-44FF-4D27-A90C-F7C81EFBA462}" srcId="{162481B3-B9FF-4DC1-A1B9-14F65C0023DA}" destId="{961EAED3-6069-4AB2-AA5D-AC08E421E1F3}" srcOrd="2" destOrd="0" parTransId="{43684382-78E2-48ED-86A6-4A98BDEDBB22}" sibTransId="{80F335CA-628A-4DAA-B885-8EFD4FCA427D}"/>
@@ -5938,7 +5938,7 @@
           <a:p>
             <a:fld id="{0EE63F1D-755E-4967-A66B-CFA9B1565037}" type="datetimeFigureOut">
               <a:rPr lang="ko-KR" altLang="en-US" smtClean="0"/>
-              <a:t>2023-04-11</a:t>
+              <a:t>2023-05-28</a:t>
             </a:fld>
             <a:endParaRPr lang="ko-KR" altLang="en-US"/>
           </a:p>
@@ -6513,7 +6513,7 @@
           <a:p>
             <a:fld id="{1D8BD707-D9CF-40AE-B4C6-C98DA3205C09}" type="datetimeFigureOut">
               <a:rPr lang="en-US"/>
-              <a:t>4/11/2023</a:t>
+              <a:t>5/28/2023</a:t>
             </a:fld>
             <a:endParaRPr lang="en-US"/>
           </a:p>
@@ -6688,7 +6688,7 @@
           <a:p>
             <a:fld id="{1D8BD707-D9CF-40AE-B4C6-C98DA3205C09}" type="datetimeFigureOut">
               <a:rPr lang="en-US"/>
-              <a:t>4/11/2023</a:t>
+              <a:t>5/28/2023</a:t>
             </a:fld>
             <a:endParaRPr lang="en-US"/>
           </a:p>
@@ -7134,7 +7134,7 @@
           <a:p>
             <a:fld id="{1D8BD707-D9CF-40AE-B4C6-C98DA3205C09}" type="datetimeFigureOut">
               <a:rPr lang="en-US"/>
-              <a:t>4/11/2023</a:t>
+              <a:t>5/28/2023</a:t>
             </a:fld>
             <a:endParaRPr lang="en-US"/>
           </a:p>
@@ -7319,7 +7319,7 @@
           <a:p>
             <a:fld id="{1D8BD707-D9CF-40AE-B4C6-C98DA3205C09}" type="datetimeFigureOut">
               <a:rPr lang="en-US"/>
-              <a:t>4/11/2023</a:t>
+              <a:t>5/28/2023</a:t>
             </a:fld>
             <a:endParaRPr lang="en-US"/>
           </a:p>
@@ -7438,7 +7438,7 @@
           <a:p>
             <a:fld id="{1D8BD707-D9CF-40AE-B4C6-C98DA3205C09}" type="datetimeFigureOut">
               <a:rPr lang="en-US"/>
-              <a:t>4/11/2023</a:t>
+              <a:t>5/28/2023</a:t>
             </a:fld>
             <a:endParaRPr lang="en-US"/>
           </a:p>
@@ -7711,7 +7711,7 @@
           <a:p>
             <a:fld id="{1D8BD707-D9CF-40AE-B4C6-C98DA3205C09}" type="datetimeFigureOut">
               <a:rPr lang="en-US"/>
-              <a:t>4/11/2023</a:t>
+              <a:t>5/28/2023</a:t>
             </a:fld>
             <a:endParaRPr lang="en-US"/>
           </a:p>
@@ -10382,17 +10382,7 @@
                     <a:latin typeface="광양햇살체 Bold" pitchFamily="2" charset="-127"/>
                     <a:ea typeface="광양햇살체 Bold" pitchFamily="2" charset="-127"/>
                   </a:rPr>
-                  <a:t>고령 인구의 소득 및 소비를 파악 하는 데이터에서 </a:t>
-                </a:r>
-                <a:r>
-                  <a:rPr lang="ko-KR" altLang="en-US" sz="2000" dirty="0" smtClean="0">
-                    <a:solidFill>
-                      <a:schemeClr val="tx1"/>
-                    </a:solidFill>
-                    <a:latin typeface="광양햇살체 Bold" pitchFamily="2" charset="-127"/>
-                    <a:ea typeface="광양햇살체 Bold" pitchFamily="2" charset="-127"/>
-                  </a:rPr>
-                  <a:t>연간 데이터가 아닌 </a:t>
+                  <a:t>고령 인구의 소득 및 소비를 파악 하는 데이터에서 연간 데이터가 아닌 </a:t>
                 </a:r>
                 <a:endParaRPr lang="en-US" altLang="ko-KR" sz="2000" dirty="0" smtClean="0">
                   <a:solidFill>
